--- a/Bemutató.pptx
+++ b/Bemutató.pptx
@@ -108,6 +108,11 @@
       </a:defRPr>
     </a:lvl9pPr>
   </p:defaultTextStyle>
+  <p:extLst>
+    <p:ext uri="{EFAFB233-063F-42B5-8137-9DF3F51BA10A}">
+      <p15:sldGuideLst xmlns:p15="http://schemas.microsoft.com/office/powerpoint/2012/main"/>
+    </p:ext>
+  </p:extLst>
 </p:presentation>
 </file>
 
@@ -242,7 +247,7 @@
           <a:p>
             <a:fld id="{4E76494A-814B-4E84-A179-1CFF9EC0FA98}" type="datetimeFigureOut">
               <a:rPr lang="hu-HU" smtClean="0"/>
-              <a:t>2022.03.28</a:t>
+              <a:t>2022.04.01</a:t>
             </a:fld>
             <a:endParaRPr lang="hu-HU"/>
           </a:p>
@@ -412,7 +417,7 @@
           <a:p>
             <a:fld id="{4E76494A-814B-4E84-A179-1CFF9EC0FA98}" type="datetimeFigureOut">
               <a:rPr lang="hu-HU" smtClean="0"/>
-              <a:t>2022.03.28</a:t>
+              <a:t>2022.04.01</a:t>
             </a:fld>
             <a:endParaRPr lang="hu-HU"/>
           </a:p>
@@ -592,7 +597,7 @@
           <a:p>
             <a:fld id="{4E76494A-814B-4E84-A179-1CFF9EC0FA98}" type="datetimeFigureOut">
               <a:rPr lang="hu-HU" smtClean="0"/>
-              <a:t>2022.03.28</a:t>
+              <a:t>2022.04.01</a:t>
             </a:fld>
             <a:endParaRPr lang="hu-HU"/>
           </a:p>
@@ -762,7 +767,7 @@
           <a:p>
             <a:fld id="{4E76494A-814B-4E84-A179-1CFF9EC0FA98}" type="datetimeFigureOut">
               <a:rPr lang="hu-HU" smtClean="0"/>
-              <a:t>2022.03.28</a:t>
+              <a:t>2022.04.01</a:t>
             </a:fld>
             <a:endParaRPr lang="hu-HU"/>
           </a:p>
@@ -1008,7 +1013,7 @@
           <a:p>
             <a:fld id="{4E76494A-814B-4E84-A179-1CFF9EC0FA98}" type="datetimeFigureOut">
               <a:rPr lang="hu-HU" smtClean="0"/>
-              <a:t>2022.03.28</a:t>
+              <a:t>2022.04.01</a:t>
             </a:fld>
             <a:endParaRPr lang="hu-HU"/>
           </a:p>
@@ -1240,7 +1245,7 @@
           <a:p>
             <a:fld id="{4E76494A-814B-4E84-A179-1CFF9EC0FA98}" type="datetimeFigureOut">
               <a:rPr lang="hu-HU" smtClean="0"/>
-              <a:t>2022.03.28</a:t>
+              <a:t>2022.04.01</a:t>
             </a:fld>
             <a:endParaRPr lang="hu-HU"/>
           </a:p>
@@ -1607,7 +1612,7 @@
           <a:p>
             <a:fld id="{4E76494A-814B-4E84-A179-1CFF9EC0FA98}" type="datetimeFigureOut">
               <a:rPr lang="hu-HU" smtClean="0"/>
-              <a:t>2022.03.28</a:t>
+              <a:t>2022.04.01</a:t>
             </a:fld>
             <a:endParaRPr lang="hu-HU"/>
           </a:p>
@@ -1725,7 +1730,7 @@
           <a:p>
             <a:fld id="{4E76494A-814B-4E84-A179-1CFF9EC0FA98}" type="datetimeFigureOut">
               <a:rPr lang="hu-HU" smtClean="0"/>
-              <a:t>2022.03.28</a:t>
+              <a:t>2022.04.01</a:t>
             </a:fld>
             <a:endParaRPr lang="hu-HU"/>
           </a:p>
@@ -1820,7 +1825,7 @@
           <a:p>
             <a:fld id="{4E76494A-814B-4E84-A179-1CFF9EC0FA98}" type="datetimeFigureOut">
               <a:rPr lang="hu-HU" smtClean="0"/>
-              <a:t>2022.03.28</a:t>
+              <a:t>2022.04.01</a:t>
             </a:fld>
             <a:endParaRPr lang="hu-HU"/>
           </a:p>
@@ -2097,7 +2102,7 @@
           <a:p>
             <a:fld id="{4E76494A-814B-4E84-A179-1CFF9EC0FA98}" type="datetimeFigureOut">
               <a:rPr lang="hu-HU" smtClean="0"/>
-              <a:t>2022.03.28</a:t>
+              <a:t>2022.04.01</a:t>
             </a:fld>
             <a:endParaRPr lang="hu-HU"/>
           </a:p>
@@ -2350,7 +2355,7 @@
           <a:p>
             <a:fld id="{4E76494A-814B-4E84-A179-1CFF9EC0FA98}" type="datetimeFigureOut">
               <a:rPr lang="hu-HU" smtClean="0"/>
-              <a:t>2022.03.28</a:t>
+              <a:t>2022.04.01</a:t>
             </a:fld>
             <a:endParaRPr lang="hu-HU"/>
           </a:p>
@@ -2597,7 +2602,7 @@
           <a:p>
             <a:fld id="{4E76494A-814B-4E84-A179-1CFF9EC0FA98}" type="datetimeFigureOut">
               <a:rPr lang="hu-HU" smtClean="0"/>
-              <a:t>2022.03.28</a:t>
+              <a:t>2022.04.01</a:t>
             </a:fld>
             <a:endParaRPr lang="hu-HU"/>
           </a:p>
@@ -3232,6 +3237,29 @@
                   <a:schemeClr val="bg1"/>
                 </a:solidFill>
               </a:rPr>
+              <a:t>Egységesre </a:t>
+            </a:r>
+            <a:r>
+              <a:rPr lang="hu-HU" smtClean="0">
+                <a:solidFill>
+                  <a:schemeClr val="bg1"/>
+                </a:solidFill>
+              </a:rPr>
+              <a:t>designolás</a:t>
+            </a:r>
+            <a:endParaRPr lang="hu-HU" dirty="0" smtClean="0">
+              <a:solidFill>
+                <a:schemeClr val="bg1"/>
+              </a:solidFill>
+            </a:endParaRPr>
+          </a:p>
+          <a:p>
+            <a:r>
+              <a:rPr lang="hu-HU" dirty="0" smtClean="0">
+                <a:solidFill>
+                  <a:schemeClr val="bg1"/>
+                </a:solidFill>
+              </a:rPr>
               <a:t>Style.css</a:t>
             </a:r>
             <a:endParaRPr lang="hu-HU" dirty="0">
